--- a/PPTs/07 Routing.pptx
+++ b/PPTs/07 Routing.pptx
@@ -5,7 +5,7 @@
     <p:sldMasterId id="2147483672" r:id="rId1"/>
   </p:sldMasterIdLst>
   <p:notesMasterIdLst>
-    <p:notesMasterId r:id="rId38"/>
+    <p:notesMasterId r:id="rId36"/>
   </p:notesMasterIdLst>
   <p:sldIdLst>
     <p:sldId id="256" r:id="rId2"/>
@@ -41,9 +41,7 @@
     <p:sldId id="324" r:id="rId32"/>
     <p:sldId id="325" r:id="rId33"/>
     <p:sldId id="326" r:id="rId34"/>
-    <p:sldId id="304" r:id="rId35"/>
-    <p:sldId id="301" r:id="rId36"/>
-    <p:sldId id="292" r:id="rId37"/>
+    <p:sldId id="292" r:id="rId35"/>
   </p:sldIdLst>
   <p:sldSz cx="9144000" cy="6858000" type="screen4x3"/>
   <p:notesSz cx="6858000" cy="9144000"/>
@@ -248,7 +246,7 @@
             <a:fld id="{4991502B-FFA8-47B9-B4E5-980CA415BAFF}" type="datetimeFigureOut">
               <a:rPr lang="en-US" smtClean="0"/>
               <a:pPr/>
-              <a:t>5/25/2017</a:t>
+              <a:t>9/16/2017</a:t>
             </a:fld>
             <a:endParaRPr lang="en-US"/>
           </a:p>
@@ -5824,8 +5822,8 @@
         </p:nvSpPr>
         <p:spPr>
           <a:xfrm>
-            <a:off x="7051036" y="5530433"/>
-            <a:ext cx="1253288" cy="936104"/>
+            <a:off x="7051036" y="5530432"/>
+            <a:ext cx="1409396" cy="1138927"/>
           </a:xfrm>
           <a:prstGeom prst="borderCallout2">
             <a:avLst>
@@ -5864,7 +5862,7 @@
             <a:pPr algn="ctr"/>
             <a:r>
               <a:rPr lang="en-US" sz="1400" dirty="0"/>
-              <a:t>Will append a CSS class named “x” to the a element</a:t>
+              <a:t>Will append a CSS class named “x” to the anchor element</a:t>
             </a:r>
           </a:p>
         </p:txBody>
@@ -7316,7 +7314,7 @@
           <a:p>
             <a:r>
               <a:rPr lang="en-US" dirty="0"/>
-              <a:t>Please note that “normal” query parameters are considered global for all routes</a:t>
+              <a:t>Please note that query string parameters are considered global for all routes</a:t>
             </a:r>
             <a:endParaRPr lang="he-IL" dirty="0"/>
           </a:p>
@@ -8853,10 +8851,18 @@
               <a:t>The state can be extracted during </a:t>
             </a:r>
             <a:r>
-              <a:rPr lang="en-US" dirty="0" err="1"/>
+              <a:rPr lang="en-US" dirty="0" err="1">
+                <a:solidFill>
+                  <a:srgbClr val="FF0000"/>
+                </a:solidFill>
+              </a:rPr>
               <a:t>ngOnInit</a:t>
             </a:r>
-            <a:endParaRPr lang="en-US" dirty="0"/>
+            <a:endParaRPr lang="en-US" dirty="0">
+              <a:solidFill>
+                <a:srgbClr val="FF0000"/>
+              </a:solidFill>
+            </a:endParaRPr>
           </a:p>
           <a:p>
             <a:endParaRPr lang="en-US" dirty="0"/>
@@ -11611,59 +11617,6 @@
       </p:sp>
       <p:sp>
         <p:nvSpPr>
-          <p:cNvPr id="9" name="Line Callout 2 6"/>
-          <p:cNvSpPr/>
-          <p:nvPr/>
-        </p:nvSpPr>
-        <p:spPr>
-          <a:xfrm>
-            <a:off x="5796136" y="5893720"/>
-            <a:ext cx="1656184" cy="583279"/>
-          </a:xfrm>
-          <a:prstGeom prst="borderCallout2">
-            <a:avLst>
-              <a:gd name="adj1" fmla="val -17023"/>
-              <a:gd name="adj2" fmla="val 46922"/>
-              <a:gd name="adj3" fmla="val -18076"/>
-              <a:gd name="adj4" fmla="val 62699"/>
-              <a:gd name="adj5" fmla="val -310439"/>
-              <a:gd name="adj6" fmla="val -175352"/>
-            </a:avLst>
-          </a:prstGeom>
-          <a:solidFill>
-            <a:schemeClr val="accent2"/>
-          </a:solidFill>
-        </p:spPr>
-        <p:style>
-          <a:lnRef idx="2">
-            <a:schemeClr val="accent1">
-              <a:shade val="50000"/>
-            </a:schemeClr>
-          </a:lnRef>
-          <a:fillRef idx="1">
-            <a:schemeClr val="accent1"/>
-          </a:fillRef>
-          <a:effectRef idx="0">
-            <a:schemeClr val="accent1"/>
-          </a:effectRef>
-          <a:fontRef idx="minor">
-            <a:schemeClr val="lt1"/>
-          </a:fontRef>
-        </p:style>
-        <p:txBody>
-          <a:bodyPr rtlCol="0" anchor="ctr"/>
-          <a:lstStyle/>
-          <a:p>
-            <a:pPr algn="ctr"/>
-            <a:r>
-              <a:rPr lang="en-US" sz="1200" dirty="0"/>
-              <a:t>An outlet which contains child component</a:t>
-            </a:r>
-          </a:p>
-        </p:txBody>
-      </p:sp>
-      <p:sp>
-        <p:nvSpPr>
           <p:cNvPr id="11" name="Rectangle 10"/>
           <p:cNvSpPr/>
           <p:nvPr/>
@@ -12500,6 +12453,59 @@
             <a:r>
               <a:rPr lang="en-US" sz="1200" dirty="0"/>
               <a:t>This is a relative path too !!!</a:t>
+            </a:r>
+          </a:p>
+        </p:txBody>
+      </p:sp>
+      <p:sp>
+        <p:nvSpPr>
+          <p:cNvPr id="9" name="Line Callout 2 6"/>
+          <p:cNvSpPr/>
+          <p:nvPr/>
+        </p:nvSpPr>
+        <p:spPr>
+          <a:xfrm>
+            <a:off x="5796136" y="5893720"/>
+            <a:ext cx="1656184" cy="583279"/>
+          </a:xfrm>
+          <a:prstGeom prst="borderCallout2">
+            <a:avLst>
+              <a:gd name="adj1" fmla="val -17023"/>
+              <a:gd name="adj2" fmla="val 46922"/>
+              <a:gd name="adj3" fmla="val -18076"/>
+              <a:gd name="adj4" fmla="val 62699"/>
+              <a:gd name="adj5" fmla="val -310439"/>
+              <a:gd name="adj6" fmla="val -175352"/>
+            </a:avLst>
+          </a:prstGeom>
+          <a:solidFill>
+            <a:schemeClr val="accent2"/>
+          </a:solidFill>
+        </p:spPr>
+        <p:style>
+          <a:lnRef idx="2">
+            <a:schemeClr val="accent1">
+              <a:shade val="50000"/>
+            </a:schemeClr>
+          </a:lnRef>
+          <a:fillRef idx="1">
+            <a:schemeClr val="accent1"/>
+          </a:fillRef>
+          <a:effectRef idx="0">
+            <a:schemeClr val="accent1"/>
+          </a:effectRef>
+          <a:fontRef idx="minor">
+            <a:schemeClr val="lt1"/>
+          </a:fontRef>
+        </p:style>
+        <p:txBody>
+          <a:bodyPr rtlCol="0" anchor="ctr"/>
+          <a:lstStyle/>
+          <a:p>
+            <a:pPr algn="ctr"/>
+            <a:r>
+              <a:rPr lang="en-US" sz="1200" dirty="0"/>
+              <a:t>An outlet which contains child component</a:t>
             </a:r>
           </a:p>
         </p:txBody>
@@ -12769,7 +12775,7 @@
           <a:p>
             <a:r>
               <a:rPr lang="en-US" dirty="0"/>
-              <a:t>When navigating from code relative path are resolved as absolute</a:t>
+              <a:t>When navigating from code, path is considered absolute</a:t>
             </a:r>
           </a:p>
           <a:p>
@@ -19849,7 +19855,7 @@
             </a:r>
             <a:r>
               <a:rPr lang="en-US" dirty="0"/>
-              <a:t> loading of the chunk based on the module name</a:t>
+              <a:t> loading of the chunk, based on the module name</a:t>
             </a:r>
             <a:endParaRPr lang="he-IL" dirty="0"/>
           </a:p>
@@ -22742,7 +22748,7 @@
             <a:pPr lvl="1"/>
             <a:r>
               <a:rPr lang="en-US" dirty="0"/>
-              <a:t>Sharing between users is limited</a:t>
+              <a:t>Cannot share URLs between different users</a:t>
             </a:r>
           </a:p>
           <a:p>
@@ -27264,12 +27270,8 @@
           <a:lstStyle/>
           <a:p>
             <a:r>
-              <a:rPr lang="en-US" dirty="0" err="1"/>
-              <a:t>routerLink</a:t>
-            </a:r>
-            <a:r>
               <a:rPr lang="en-US" dirty="0"/>
-              <a:t> Parameters</a:t>
+              <a:t>Summary</a:t>
             </a:r>
             <a:endParaRPr lang="he-IL" dirty="0"/>
           </a:p>
@@ -27341,1624 +27343,28 @@
           <a:p>
             <a:r>
               <a:rPr lang="en-US" dirty="0"/>
-              <a:t>A link may specify additional parameters</a:t>
-            </a:r>
-          </a:p>
-        </p:txBody>
-      </p:sp>
-      <p:sp>
-        <p:nvSpPr>
-          <p:cNvPr id="6" name="Rectangle 5"/>
-          <p:cNvSpPr/>
-          <p:nvPr/>
-        </p:nvSpPr>
-        <p:spPr>
-          <a:xfrm>
-            <a:off x="590165" y="2492896"/>
-            <a:ext cx="8198365" cy="369332"/>
-          </a:xfrm>
-          <a:prstGeom prst="rect">
-            <a:avLst/>
-          </a:prstGeom>
-        </p:spPr>
-        <p:txBody>
-          <a:bodyPr wrap="square">
-            <a:spAutoFit/>
-          </a:bodyPr>
-          <a:lstStyle/>
-          <a:p>
-            <a:r>
-              <a:rPr lang="en-US" dirty="0">
-                <a:latin typeface="Calibri" panose="020F0502020204030204" pitchFamily="34" charset="0"/>
-                <a:ea typeface="Calibri" panose="020F0502020204030204" pitchFamily="34" charset="0"/>
-                <a:cs typeface="Arial" panose="020B0604020202020204" pitchFamily="34" charset="0"/>
-              </a:rPr>
-              <a:t>http://localhost:8080/contacts;orderBy=desc/contact/2;expand=true?lang=en#jump</a:t>
-            </a:r>
-            <a:endParaRPr lang="he-IL" dirty="0"/>
-          </a:p>
-        </p:txBody>
-      </p:sp>
-      <p:sp>
-        <p:nvSpPr>
-          <p:cNvPr id="7" name="Line Callout 2 6"/>
-          <p:cNvSpPr/>
-          <p:nvPr/>
-        </p:nvSpPr>
-        <p:spPr>
-          <a:xfrm>
-            <a:off x="827584" y="4103095"/>
-            <a:ext cx="1152128" cy="550041"/>
-          </a:xfrm>
-          <a:prstGeom prst="borderCallout2">
-            <a:avLst>
-              <a:gd name="adj1" fmla="val -17023"/>
-              <a:gd name="adj2" fmla="val 46922"/>
-              <a:gd name="adj3" fmla="val -18076"/>
-              <a:gd name="adj4" fmla="val 62699"/>
-              <a:gd name="adj5" fmla="val -234860"/>
-              <a:gd name="adj6" fmla="val 187514"/>
-            </a:avLst>
-          </a:prstGeom>
-          <a:solidFill>
-            <a:schemeClr val="accent2"/>
-          </a:solidFill>
-        </p:spPr>
-        <p:style>
-          <a:lnRef idx="2">
-            <a:schemeClr val="accent1">
-              <a:shade val="50000"/>
-            </a:schemeClr>
-          </a:lnRef>
-          <a:fillRef idx="1">
-            <a:schemeClr val="accent1"/>
-          </a:fillRef>
-          <a:effectRef idx="0">
-            <a:schemeClr val="accent1"/>
-          </a:effectRef>
-          <a:fontRef idx="minor">
-            <a:schemeClr val="lt1"/>
-          </a:fontRef>
-        </p:style>
-        <p:txBody>
-          <a:bodyPr rtlCol="0" anchor="ctr"/>
-          <a:lstStyle/>
-          <a:p>
-            <a:pPr algn="ctr"/>
-            <a:r>
-              <a:rPr lang="en-US" sz="1400" dirty="0"/>
-              <a:t>Route path</a:t>
-            </a:r>
-          </a:p>
-        </p:txBody>
-      </p:sp>
-      <p:sp>
-        <p:nvSpPr>
-          <p:cNvPr id="9" name="Line Callout 2 6"/>
-          <p:cNvSpPr/>
-          <p:nvPr/>
-        </p:nvSpPr>
-        <p:spPr>
-          <a:xfrm>
-            <a:off x="2699792" y="4714978"/>
-            <a:ext cx="1296144" cy="730246"/>
-          </a:xfrm>
-          <a:prstGeom prst="borderCallout2">
-            <a:avLst>
-              <a:gd name="adj1" fmla="val -17023"/>
-              <a:gd name="adj2" fmla="val 46922"/>
-              <a:gd name="adj3" fmla="val -18076"/>
-              <a:gd name="adj4" fmla="val 62699"/>
-              <a:gd name="adj5" fmla="val -209323"/>
-              <a:gd name="adj6" fmla="val 116464"/>
-            </a:avLst>
-          </a:prstGeom>
-          <a:solidFill>
-            <a:schemeClr val="accent2"/>
-          </a:solidFill>
-        </p:spPr>
-        <p:style>
-          <a:lnRef idx="2">
-            <a:schemeClr val="accent1">
-              <a:shade val="50000"/>
-            </a:schemeClr>
-          </a:lnRef>
-          <a:fillRef idx="1">
-            <a:schemeClr val="accent1"/>
-          </a:fillRef>
-          <a:effectRef idx="0">
-            <a:schemeClr val="accent1"/>
-          </a:effectRef>
-          <a:fontRef idx="minor">
-            <a:schemeClr val="lt1"/>
-          </a:fontRef>
-        </p:style>
-        <p:txBody>
-          <a:bodyPr rtlCol="0" anchor="ctr"/>
-          <a:lstStyle/>
-          <a:p>
-            <a:pPr algn="ctr"/>
-            <a:r>
-              <a:rPr lang="en-US" sz="1400" dirty="0"/>
-              <a:t>Optional route parameter</a:t>
-            </a:r>
-          </a:p>
-        </p:txBody>
-      </p:sp>
-      <p:sp>
-        <p:nvSpPr>
-          <p:cNvPr id="10" name="Right Brace 9"/>
-          <p:cNvSpPr/>
-          <p:nvPr/>
-        </p:nvSpPr>
-        <p:spPr>
-          <a:xfrm rot="5400000">
-            <a:off x="4068117" y="2460150"/>
-            <a:ext cx="314355" cy="1034782"/>
-          </a:xfrm>
-          <a:prstGeom prst="rightBrace">
-            <a:avLst/>
-          </a:prstGeom>
-        </p:spPr>
-        <p:style>
-          <a:lnRef idx="1">
-            <a:schemeClr val="accent1"/>
-          </a:lnRef>
-          <a:fillRef idx="0">
-            <a:schemeClr val="accent1"/>
-          </a:fillRef>
-          <a:effectRef idx="0">
-            <a:schemeClr val="accent1"/>
-          </a:effectRef>
-          <a:fontRef idx="minor">
-            <a:schemeClr val="tx1"/>
-          </a:fontRef>
-        </p:style>
-        <p:txBody>
-          <a:bodyPr rtlCol="1" anchor="ctr"/>
-          <a:lstStyle/>
-          <a:p>
-            <a:pPr algn="ctr"/>
-            <a:endParaRPr lang="he-IL"/>
-          </a:p>
-        </p:txBody>
-      </p:sp>
-      <p:sp>
-        <p:nvSpPr>
-          <p:cNvPr id="11" name="Right Brace 10"/>
-          <p:cNvSpPr/>
-          <p:nvPr/>
-        </p:nvSpPr>
-        <p:spPr>
-          <a:xfrm rot="5400000">
-            <a:off x="5711954" y="2820178"/>
-            <a:ext cx="140088" cy="144016"/>
-          </a:xfrm>
-          <a:prstGeom prst="rightBrace">
-            <a:avLst/>
-          </a:prstGeom>
-        </p:spPr>
-        <p:style>
-          <a:lnRef idx="1">
-            <a:schemeClr val="accent1"/>
-          </a:lnRef>
-          <a:fillRef idx="0">
-            <a:schemeClr val="accent1"/>
-          </a:fillRef>
-          <a:effectRef idx="0">
-            <a:schemeClr val="accent1"/>
-          </a:effectRef>
-          <a:fontRef idx="minor">
-            <a:schemeClr val="tx1"/>
-          </a:fontRef>
-        </p:style>
-        <p:txBody>
-          <a:bodyPr rtlCol="1" anchor="ctr"/>
-          <a:lstStyle/>
-          <a:p>
-            <a:pPr algn="ctr"/>
-            <a:endParaRPr lang="he-IL"/>
-          </a:p>
-        </p:txBody>
-      </p:sp>
-      <p:sp>
-        <p:nvSpPr>
-          <p:cNvPr id="12" name="Line Callout 2 6"/>
-          <p:cNvSpPr/>
-          <p:nvPr/>
-        </p:nvSpPr>
-        <p:spPr>
-          <a:xfrm>
-            <a:off x="4534826" y="4869160"/>
-            <a:ext cx="1296144" cy="730246"/>
-          </a:xfrm>
-          <a:prstGeom prst="borderCallout2">
-            <a:avLst>
-              <a:gd name="adj1" fmla="val -17023"/>
-              <a:gd name="adj2" fmla="val 46922"/>
-              <a:gd name="adj3" fmla="val -18076"/>
-              <a:gd name="adj4" fmla="val 62699"/>
-              <a:gd name="adj5" fmla="val -250534"/>
-              <a:gd name="adj6" fmla="val 91013"/>
-            </a:avLst>
-          </a:prstGeom>
-          <a:solidFill>
-            <a:schemeClr val="accent2"/>
-          </a:solidFill>
-        </p:spPr>
-        <p:style>
-          <a:lnRef idx="2">
-            <a:schemeClr val="accent1">
-              <a:shade val="50000"/>
-            </a:schemeClr>
-          </a:lnRef>
-          <a:fillRef idx="1">
-            <a:schemeClr val="accent1"/>
-          </a:fillRef>
-          <a:effectRef idx="0">
-            <a:schemeClr val="accent1"/>
-          </a:effectRef>
-          <a:fontRef idx="minor">
-            <a:schemeClr val="lt1"/>
-          </a:fontRef>
-        </p:style>
-        <p:txBody>
-          <a:bodyPr rtlCol="0" anchor="ctr"/>
-          <a:lstStyle/>
-          <a:p>
-            <a:pPr algn="ctr"/>
-            <a:r>
-              <a:rPr lang="en-US" sz="1400" dirty="0"/>
-              <a:t>Required route parameter</a:t>
-            </a:r>
-          </a:p>
-        </p:txBody>
-      </p:sp>
-      <p:sp>
-        <p:nvSpPr>
-          <p:cNvPr id="13" name="Line Callout 2 6"/>
-          <p:cNvSpPr/>
-          <p:nvPr/>
-        </p:nvSpPr>
-        <p:spPr>
-          <a:xfrm>
-            <a:off x="6407696" y="4714978"/>
-            <a:ext cx="1152128" cy="550041"/>
-          </a:xfrm>
-          <a:prstGeom prst="borderCallout2">
-            <a:avLst>
-              <a:gd name="adj1" fmla="val -17023"/>
-              <a:gd name="adj2" fmla="val 46922"/>
-              <a:gd name="adj3" fmla="val -18076"/>
-              <a:gd name="adj4" fmla="val 62699"/>
-              <a:gd name="adj5" fmla="val -345337"/>
-              <a:gd name="adj6" fmla="val -101319"/>
-            </a:avLst>
-          </a:prstGeom>
-          <a:solidFill>
-            <a:schemeClr val="accent2"/>
-          </a:solidFill>
-        </p:spPr>
-        <p:style>
-          <a:lnRef idx="2">
-            <a:schemeClr val="accent1">
-              <a:shade val="50000"/>
-            </a:schemeClr>
-          </a:lnRef>
-          <a:fillRef idx="1">
-            <a:schemeClr val="accent1"/>
-          </a:fillRef>
-          <a:effectRef idx="0">
-            <a:schemeClr val="accent1"/>
-          </a:effectRef>
-          <a:fontRef idx="minor">
-            <a:schemeClr val="lt1"/>
-          </a:fontRef>
-        </p:style>
-        <p:txBody>
-          <a:bodyPr rtlCol="0" anchor="ctr"/>
-          <a:lstStyle/>
-          <a:p>
-            <a:pPr algn="ctr"/>
-            <a:r>
-              <a:rPr lang="en-US" sz="1400" dirty="0"/>
-              <a:t>Another route path</a:t>
-            </a:r>
-          </a:p>
-        </p:txBody>
-      </p:sp>
-      <p:sp>
-        <p:nvSpPr>
-          <p:cNvPr id="14" name="Line Callout 2 6"/>
-          <p:cNvSpPr/>
-          <p:nvPr/>
-        </p:nvSpPr>
-        <p:spPr>
-          <a:xfrm>
-            <a:off x="7380312" y="3670017"/>
-            <a:ext cx="1296144" cy="730246"/>
-          </a:xfrm>
-          <a:prstGeom prst="borderCallout2">
-            <a:avLst>
-              <a:gd name="adj1" fmla="val -112918"/>
-              <a:gd name="adj2" fmla="val 69247"/>
-              <a:gd name="adj3" fmla="val -18076"/>
-              <a:gd name="adj4" fmla="val 62699"/>
-              <a:gd name="adj5" fmla="val -112636"/>
-              <a:gd name="adj6" fmla="val 21358"/>
-            </a:avLst>
-          </a:prstGeom>
-          <a:solidFill>
-            <a:schemeClr val="accent2"/>
-          </a:solidFill>
-        </p:spPr>
-        <p:style>
-          <a:lnRef idx="2">
-            <a:schemeClr val="accent1">
-              <a:shade val="50000"/>
-            </a:schemeClr>
-          </a:lnRef>
-          <a:fillRef idx="1">
-            <a:schemeClr val="accent1"/>
-          </a:fillRef>
-          <a:effectRef idx="0">
-            <a:schemeClr val="accent1"/>
-          </a:effectRef>
-          <a:fontRef idx="minor">
-            <a:schemeClr val="lt1"/>
-          </a:fontRef>
-        </p:style>
-        <p:txBody>
-          <a:bodyPr rtlCol="0" anchor="ctr"/>
-          <a:lstStyle/>
-          <a:p>
-            <a:pPr algn="ctr"/>
-            <a:r>
-              <a:rPr lang="en-US" sz="1400" dirty="0"/>
-              <a:t>Global query </a:t>
-            </a:r>
-            <a:r>
-              <a:rPr lang="en-US" sz="1400" dirty="0" err="1"/>
-              <a:t>params</a:t>
-            </a:r>
-            <a:r>
-              <a:rPr lang="en-US" sz="1400" dirty="0"/>
-              <a:t> &amp; fragment</a:t>
-            </a:r>
-          </a:p>
-        </p:txBody>
-      </p:sp>
-    </p:spTree>
-    <p:extLst>
-      <p:ext uri="{BB962C8B-B14F-4D97-AF65-F5344CB8AC3E}">
-        <p14:creationId xmlns:p14="http://schemas.microsoft.com/office/powerpoint/2010/main" val="2962243053"/>
-      </p:ext>
-    </p:extLst>
-  </p:cSld>
-  <p:clrMapOvr>
-    <a:masterClrMapping/>
-  </p:clrMapOvr>
-</p:sld>
-</file>
-
-<file path=ppt/slides/slide35.xml><?xml version="1.0" encoding="utf-8"?>
-<p:sld xmlns:a="http://schemas.openxmlformats.org/drawingml/2006/main" xmlns:r="http://schemas.openxmlformats.org/officeDocument/2006/relationships" xmlns:p="http://schemas.openxmlformats.org/presentationml/2006/main">
-  <p:cSld>
-    <p:spTree>
-      <p:nvGrpSpPr>
-        <p:cNvPr id="1" name=""/>
-        <p:cNvGrpSpPr/>
-        <p:nvPr/>
-      </p:nvGrpSpPr>
-      <p:grpSpPr>
-        <a:xfrm>
-          <a:off x="0" y="0"/>
-          <a:ext cx="0" cy="0"/>
-          <a:chOff x="0" y="0"/>
-          <a:chExt cx="0" cy="0"/>
-        </a:xfrm>
-      </p:grpSpPr>
-      <p:sp>
-        <p:nvSpPr>
-          <p:cNvPr id="2" name="Title 1"/>
-          <p:cNvSpPr>
-            <a:spLocks noGrp="1"/>
-          </p:cNvSpPr>
-          <p:nvPr>
-            <p:ph type="title"/>
-          </p:nvPr>
-        </p:nvSpPr>
-        <p:spPr/>
-        <p:txBody>
-          <a:bodyPr/>
-          <a:lstStyle/>
+              <a:t>Adding routing to Angular is easy</a:t>
+            </a:r>
+          </a:p>
           <a:p>
             <a:r>
               <a:rPr lang="en-US" dirty="0"/>
-              <a:t>Route</a:t>
-            </a:r>
-            <a:endParaRPr lang="he-IL" dirty="0"/>
-          </a:p>
-        </p:txBody>
-      </p:sp>
-      <p:sp>
-        <p:nvSpPr>
-          <p:cNvPr id="3" name="Footer Placeholder 2"/>
-          <p:cNvSpPr>
-            <a:spLocks noGrp="1"/>
-          </p:cNvSpPr>
-          <p:nvPr>
-            <p:ph type="ftr" sz="quarter" idx="11"/>
-          </p:nvPr>
-        </p:nvSpPr>
-        <p:spPr/>
-        <p:txBody>
-          <a:bodyPr/>
-          <a:lstStyle/>
-          <a:p>
-            <a:r>
-              <a:rPr lang="en-US"/>
-              <a:t>© 2016 Ori Calvo</a:t>
-            </a:r>
-            <a:endParaRPr lang="en-US" dirty="0"/>
-          </a:p>
-        </p:txBody>
-      </p:sp>
-      <p:sp>
-        <p:nvSpPr>
-          <p:cNvPr id="4" name="Slide Number Placeholder 3"/>
-          <p:cNvSpPr>
-            <a:spLocks noGrp="1"/>
-          </p:cNvSpPr>
-          <p:nvPr>
-            <p:ph type="sldNum" sz="quarter" idx="12"/>
-          </p:nvPr>
-        </p:nvSpPr>
-        <p:spPr/>
-        <p:txBody>
-          <a:bodyPr>
-            <a:normAutofit fontScale="85000" lnSpcReduction="20000"/>
-          </a:bodyPr>
-          <a:lstStyle/>
-          <a:p>
-            <a:fld id="{6EDEC3BC-0694-4586-AE63-02B4D54ABF43}" type="slidenum">
-              <a:rPr lang="en-US" smtClean="0"/>
-              <a:pPr/>
-              <a:t>35</a:t>
-            </a:fld>
-            <a:endParaRPr lang="en-US"/>
-          </a:p>
-        </p:txBody>
-      </p:sp>
-      <p:sp>
-        <p:nvSpPr>
-          <p:cNvPr id="6" name="Rectangle 5"/>
-          <p:cNvSpPr/>
-          <p:nvPr/>
-        </p:nvSpPr>
-        <p:spPr>
-          <a:xfrm>
-            <a:off x="1403648" y="1916832"/>
-            <a:ext cx="6480720" cy="4278094"/>
-          </a:xfrm>
-          <a:prstGeom prst="rect">
-            <a:avLst/>
-          </a:prstGeom>
-        </p:spPr>
-        <p:txBody>
-          <a:bodyPr wrap="square">
-            <a:spAutoFit/>
-          </a:bodyPr>
-          <a:lstStyle/>
-          <a:p>
-            <a:r>
-              <a:rPr lang="en-US" sz="1600" b="1" dirty="0">
-                <a:solidFill>
-                  <a:srgbClr val="000080"/>
-                </a:solidFill>
-                <a:latin typeface="Courier New" panose="02070309020205020404" pitchFamily="49" charset="0"/>
-                <a:ea typeface="Times New Roman" panose="02020603050405020304" pitchFamily="18" charset="0"/>
-              </a:rPr>
-              <a:t>export interface </a:t>
-            </a:r>
-            <a:r>
-              <a:rPr lang="en-US" sz="1600" dirty="0">
-                <a:solidFill>
-                  <a:srgbClr val="000000"/>
-                </a:solidFill>
-                <a:latin typeface="Courier New" panose="02070309020205020404" pitchFamily="49" charset="0"/>
-                <a:ea typeface="Times New Roman" panose="02020603050405020304" pitchFamily="18" charset="0"/>
-              </a:rPr>
-              <a:t>Route {</a:t>
-            </a:r>
-            <a:br>
-              <a:rPr lang="en-US" sz="1600" dirty="0">
-                <a:solidFill>
-                  <a:srgbClr val="000000"/>
-                </a:solidFill>
-                <a:latin typeface="Courier New" panose="02070309020205020404" pitchFamily="49" charset="0"/>
-                <a:ea typeface="Times New Roman" panose="02020603050405020304" pitchFamily="18" charset="0"/>
-              </a:rPr>
-            </a:br>
-            <a:r>
-              <a:rPr lang="en-US" sz="1600" dirty="0">
-                <a:solidFill>
-                  <a:srgbClr val="000000"/>
-                </a:solidFill>
-                <a:latin typeface="Courier New" panose="02070309020205020404" pitchFamily="49" charset="0"/>
-                <a:ea typeface="Times New Roman" panose="02020603050405020304" pitchFamily="18" charset="0"/>
-              </a:rPr>
-              <a:t>    </a:t>
-            </a:r>
-            <a:r>
-              <a:rPr lang="en-US" sz="1600" b="1" dirty="0">
-                <a:solidFill>
-                  <a:srgbClr val="660E7A"/>
-                </a:solidFill>
-                <a:latin typeface="Courier New" panose="02070309020205020404" pitchFamily="49" charset="0"/>
-                <a:ea typeface="Times New Roman" panose="02020603050405020304" pitchFamily="18" charset="0"/>
-              </a:rPr>
-              <a:t>path</a:t>
-            </a:r>
-            <a:r>
-              <a:rPr lang="en-US" sz="1600" dirty="0">
-                <a:solidFill>
-                  <a:srgbClr val="000000"/>
-                </a:solidFill>
-                <a:latin typeface="Courier New" panose="02070309020205020404" pitchFamily="49" charset="0"/>
-                <a:ea typeface="Times New Roman" panose="02020603050405020304" pitchFamily="18" charset="0"/>
-              </a:rPr>
-              <a:t>?: </a:t>
-            </a:r>
-            <a:r>
-              <a:rPr lang="en-US" sz="1600" b="1" dirty="0">
-                <a:solidFill>
-                  <a:srgbClr val="000080"/>
-                </a:solidFill>
-                <a:latin typeface="Courier New" panose="02070309020205020404" pitchFamily="49" charset="0"/>
-                <a:ea typeface="Times New Roman" panose="02020603050405020304" pitchFamily="18" charset="0"/>
-              </a:rPr>
-              <a:t>string</a:t>
-            </a:r>
-            <a:r>
-              <a:rPr lang="en-US" sz="1600" dirty="0">
-                <a:solidFill>
-                  <a:srgbClr val="000000"/>
-                </a:solidFill>
-                <a:latin typeface="Courier New" panose="02070309020205020404" pitchFamily="49" charset="0"/>
-                <a:ea typeface="Times New Roman" panose="02020603050405020304" pitchFamily="18" charset="0"/>
-              </a:rPr>
-              <a:t>;</a:t>
-            </a:r>
-            <a:br>
-              <a:rPr lang="en-US" sz="1600" dirty="0">
-                <a:solidFill>
-                  <a:srgbClr val="000000"/>
-                </a:solidFill>
-                <a:latin typeface="Courier New" panose="02070309020205020404" pitchFamily="49" charset="0"/>
-                <a:ea typeface="Times New Roman" panose="02020603050405020304" pitchFamily="18" charset="0"/>
-              </a:rPr>
-            </a:br>
-            <a:r>
-              <a:rPr lang="en-US" sz="1600" dirty="0">
-                <a:solidFill>
-                  <a:srgbClr val="000000"/>
-                </a:solidFill>
-                <a:latin typeface="Courier New" panose="02070309020205020404" pitchFamily="49" charset="0"/>
-                <a:ea typeface="Times New Roman" panose="02020603050405020304" pitchFamily="18" charset="0"/>
-              </a:rPr>
-              <a:t>    </a:t>
-            </a:r>
-            <a:r>
-              <a:rPr lang="en-US" sz="1600" b="1" dirty="0" err="1">
-                <a:solidFill>
-                  <a:srgbClr val="660E7A"/>
-                </a:solidFill>
-                <a:latin typeface="Courier New" panose="02070309020205020404" pitchFamily="49" charset="0"/>
-                <a:ea typeface="Times New Roman" panose="02020603050405020304" pitchFamily="18" charset="0"/>
-              </a:rPr>
-              <a:t>pathMatch</a:t>
-            </a:r>
-            <a:r>
-              <a:rPr lang="en-US" sz="1600" dirty="0">
-                <a:solidFill>
-                  <a:srgbClr val="000000"/>
-                </a:solidFill>
-                <a:latin typeface="Courier New" panose="02070309020205020404" pitchFamily="49" charset="0"/>
-                <a:ea typeface="Times New Roman" panose="02020603050405020304" pitchFamily="18" charset="0"/>
-              </a:rPr>
-              <a:t>?: </a:t>
-            </a:r>
-            <a:r>
-              <a:rPr lang="en-US" sz="1600" b="1" dirty="0">
-                <a:solidFill>
-                  <a:srgbClr val="000080"/>
-                </a:solidFill>
-                <a:latin typeface="Courier New" panose="02070309020205020404" pitchFamily="49" charset="0"/>
-                <a:ea typeface="Times New Roman" panose="02020603050405020304" pitchFamily="18" charset="0"/>
-              </a:rPr>
-              <a:t>string</a:t>
-            </a:r>
-            <a:r>
-              <a:rPr lang="en-US" sz="1600" dirty="0">
-                <a:solidFill>
-                  <a:srgbClr val="000000"/>
-                </a:solidFill>
-                <a:latin typeface="Courier New" panose="02070309020205020404" pitchFamily="49" charset="0"/>
-                <a:ea typeface="Times New Roman" panose="02020603050405020304" pitchFamily="18" charset="0"/>
-              </a:rPr>
-              <a:t>;</a:t>
-            </a:r>
-            <a:br>
-              <a:rPr lang="en-US" sz="1600" dirty="0">
-                <a:solidFill>
-                  <a:srgbClr val="000000"/>
-                </a:solidFill>
-                <a:latin typeface="Courier New" panose="02070309020205020404" pitchFamily="49" charset="0"/>
-                <a:ea typeface="Times New Roman" panose="02020603050405020304" pitchFamily="18" charset="0"/>
-              </a:rPr>
-            </a:br>
-            <a:r>
-              <a:rPr lang="en-US" sz="1600" dirty="0">
-                <a:solidFill>
-                  <a:srgbClr val="000000"/>
-                </a:solidFill>
-                <a:latin typeface="Courier New" panose="02070309020205020404" pitchFamily="49" charset="0"/>
-                <a:ea typeface="Times New Roman" panose="02020603050405020304" pitchFamily="18" charset="0"/>
-              </a:rPr>
-              <a:t>    </a:t>
-            </a:r>
-            <a:r>
-              <a:rPr lang="en-US" sz="1600" b="1" dirty="0">
-                <a:solidFill>
-                  <a:srgbClr val="660E7A"/>
-                </a:solidFill>
-                <a:latin typeface="Courier New" panose="02070309020205020404" pitchFamily="49" charset="0"/>
-                <a:ea typeface="Times New Roman" panose="02020603050405020304" pitchFamily="18" charset="0"/>
-              </a:rPr>
-              <a:t>matcher</a:t>
-            </a:r>
-            <a:r>
-              <a:rPr lang="en-US" sz="1600" dirty="0">
-                <a:solidFill>
-                  <a:srgbClr val="000000"/>
-                </a:solidFill>
-                <a:latin typeface="Courier New" panose="02070309020205020404" pitchFamily="49" charset="0"/>
-                <a:ea typeface="Times New Roman" panose="02020603050405020304" pitchFamily="18" charset="0"/>
-              </a:rPr>
-              <a:t>?: </a:t>
-            </a:r>
-            <a:r>
-              <a:rPr lang="en-US" sz="1600" dirty="0" err="1">
-                <a:solidFill>
-                  <a:srgbClr val="000000"/>
-                </a:solidFill>
-                <a:latin typeface="Courier New" panose="02070309020205020404" pitchFamily="49" charset="0"/>
-                <a:ea typeface="Times New Roman" panose="02020603050405020304" pitchFamily="18" charset="0"/>
-              </a:rPr>
-              <a:t>UrlMatcher</a:t>
-            </a:r>
-            <a:r>
-              <a:rPr lang="en-US" sz="1600" dirty="0">
-                <a:solidFill>
-                  <a:srgbClr val="000000"/>
-                </a:solidFill>
-                <a:latin typeface="Courier New" panose="02070309020205020404" pitchFamily="49" charset="0"/>
-                <a:ea typeface="Times New Roman" panose="02020603050405020304" pitchFamily="18" charset="0"/>
-              </a:rPr>
-              <a:t>;</a:t>
-            </a:r>
-            <a:br>
-              <a:rPr lang="en-US" sz="1600" dirty="0">
-                <a:solidFill>
-                  <a:srgbClr val="000000"/>
-                </a:solidFill>
-                <a:latin typeface="Courier New" panose="02070309020205020404" pitchFamily="49" charset="0"/>
-                <a:ea typeface="Times New Roman" panose="02020603050405020304" pitchFamily="18" charset="0"/>
-              </a:rPr>
-            </a:br>
-            <a:r>
-              <a:rPr lang="en-US" sz="1600" dirty="0">
-                <a:solidFill>
-                  <a:srgbClr val="000000"/>
-                </a:solidFill>
-                <a:latin typeface="Courier New" panose="02070309020205020404" pitchFamily="49" charset="0"/>
-                <a:ea typeface="Times New Roman" panose="02020603050405020304" pitchFamily="18" charset="0"/>
-              </a:rPr>
-              <a:t>    </a:t>
-            </a:r>
-            <a:r>
-              <a:rPr lang="en-US" sz="1600" b="1" dirty="0">
-                <a:solidFill>
-                  <a:srgbClr val="660E7A"/>
-                </a:solidFill>
-                <a:latin typeface="Courier New" panose="02070309020205020404" pitchFamily="49" charset="0"/>
-                <a:ea typeface="Times New Roman" panose="02020603050405020304" pitchFamily="18" charset="0"/>
-              </a:rPr>
-              <a:t>component</a:t>
-            </a:r>
-            <a:r>
-              <a:rPr lang="en-US" sz="1600" dirty="0">
-                <a:solidFill>
-                  <a:srgbClr val="000000"/>
-                </a:solidFill>
-                <a:latin typeface="Courier New" panose="02070309020205020404" pitchFamily="49" charset="0"/>
-                <a:ea typeface="Times New Roman" panose="02020603050405020304" pitchFamily="18" charset="0"/>
-              </a:rPr>
-              <a:t>?: Type&lt;</a:t>
-            </a:r>
-            <a:r>
-              <a:rPr lang="en-US" sz="1600" b="1" dirty="0">
-                <a:solidFill>
-                  <a:srgbClr val="000080"/>
-                </a:solidFill>
-                <a:latin typeface="Courier New" panose="02070309020205020404" pitchFamily="49" charset="0"/>
-                <a:ea typeface="Times New Roman" panose="02020603050405020304" pitchFamily="18" charset="0"/>
-              </a:rPr>
-              <a:t>any</a:t>
-            </a:r>
-            <a:r>
-              <a:rPr lang="en-US" sz="1600" dirty="0">
-                <a:solidFill>
-                  <a:srgbClr val="000000"/>
-                </a:solidFill>
-                <a:latin typeface="Courier New" panose="02070309020205020404" pitchFamily="49" charset="0"/>
-                <a:ea typeface="Times New Roman" panose="02020603050405020304" pitchFamily="18" charset="0"/>
-              </a:rPr>
-              <a:t>&gt;;</a:t>
-            </a:r>
-            <a:br>
-              <a:rPr lang="en-US" sz="1600" dirty="0">
-                <a:solidFill>
-                  <a:srgbClr val="000000"/>
-                </a:solidFill>
-                <a:latin typeface="Courier New" panose="02070309020205020404" pitchFamily="49" charset="0"/>
-                <a:ea typeface="Times New Roman" panose="02020603050405020304" pitchFamily="18" charset="0"/>
-              </a:rPr>
-            </a:br>
-            <a:r>
-              <a:rPr lang="en-US" sz="1600" dirty="0">
-                <a:solidFill>
-                  <a:srgbClr val="000000"/>
-                </a:solidFill>
-                <a:latin typeface="Courier New" panose="02070309020205020404" pitchFamily="49" charset="0"/>
-                <a:ea typeface="Times New Roman" panose="02020603050405020304" pitchFamily="18" charset="0"/>
-              </a:rPr>
-              <a:t>    </a:t>
-            </a:r>
-            <a:r>
-              <a:rPr lang="en-US" sz="1600" b="1" dirty="0" err="1">
-                <a:solidFill>
-                  <a:srgbClr val="660E7A"/>
-                </a:solidFill>
-                <a:latin typeface="Courier New" panose="02070309020205020404" pitchFamily="49" charset="0"/>
-                <a:ea typeface="Times New Roman" panose="02020603050405020304" pitchFamily="18" charset="0"/>
-              </a:rPr>
-              <a:t>redirectTo</a:t>
-            </a:r>
-            <a:r>
-              <a:rPr lang="en-US" sz="1600" dirty="0">
-                <a:solidFill>
-                  <a:srgbClr val="000000"/>
-                </a:solidFill>
-                <a:latin typeface="Courier New" panose="02070309020205020404" pitchFamily="49" charset="0"/>
-                <a:ea typeface="Times New Roman" panose="02020603050405020304" pitchFamily="18" charset="0"/>
-              </a:rPr>
-              <a:t>?: </a:t>
-            </a:r>
-            <a:r>
-              <a:rPr lang="en-US" sz="1600" b="1" dirty="0">
-                <a:solidFill>
-                  <a:srgbClr val="000080"/>
-                </a:solidFill>
-                <a:latin typeface="Courier New" panose="02070309020205020404" pitchFamily="49" charset="0"/>
-                <a:ea typeface="Times New Roman" panose="02020603050405020304" pitchFamily="18" charset="0"/>
-              </a:rPr>
-              <a:t>string</a:t>
-            </a:r>
-            <a:r>
-              <a:rPr lang="en-US" sz="1600" dirty="0">
-                <a:solidFill>
-                  <a:srgbClr val="000000"/>
-                </a:solidFill>
-                <a:latin typeface="Courier New" panose="02070309020205020404" pitchFamily="49" charset="0"/>
-                <a:ea typeface="Times New Roman" panose="02020603050405020304" pitchFamily="18" charset="0"/>
-              </a:rPr>
-              <a:t>;</a:t>
-            </a:r>
-            <a:br>
-              <a:rPr lang="en-US" sz="1600" dirty="0">
-                <a:solidFill>
-                  <a:srgbClr val="000000"/>
-                </a:solidFill>
-                <a:latin typeface="Courier New" panose="02070309020205020404" pitchFamily="49" charset="0"/>
-                <a:ea typeface="Times New Roman" panose="02020603050405020304" pitchFamily="18" charset="0"/>
-              </a:rPr>
-            </a:br>
-            <a:r>
-              <a:rPr lang="en-US" sz="1600" dirty="0">
-                <a:solidFill>
-                  <a:srgbClr val="000000"/>
-                </a:solidFill>
-                <a:latin typeface="Courier New" panose="02070309020205020404" pitchFamily="49" charset="0"/>
-                <a:ea typeface="Times New Roman" panose="02020603050405020304" pitchFamily="18" charset="0"/>
-              </a:rPr>
-              <a:t>    </a:t>
-            </a:r>
-            <a:r>
-              <a:rPr lang="en-US" sz="1600" b="1" dirty="0">
-                <a:solidFill>
-                  <a:srgbClr val="660E7A"/>
-                </a:solidFill>
-                <a:latin typeface="Courier New" panose="02070309020205020404" pitchFamily="49" charset="0"/>
-                <a:ea typeface="Times New Roman" panose="02020603050405020304" pitchFamily="18" charset="0"/>
-              </a:rPr>
-              <a:t>outlet</a:t>
-            </a:r>
-            <a:r>
-              <a:rPr lang="en-US" sz="1600" dirty="0">
-                <a:solidFill>
-                  <a:srgbClr val="000000"/>
-                </a:solidFill>
-                <a:latin typeface="Courier New" panose="02070309020205020404" pitchFamily="49" charset="0"/>
-                <a:ea typeface="Times New Roman" panose="02020603050405020304" pitchFamily="18" charset="0"/>
-              </a:rPr>
-              <a:t>?: </a:t>
-            </a:r>
-            <a:r>
-              <a:rPr lang="en-US" sz="1600" b="1" dirty="0">
-                <a:solidFill>
-                  <a:srgbClr val="000080"/>
-                </a:solidFill>
-                <a:latin typeface="Courier New" panose="02070309020205020404" pitchFamily="49" charset="0"/>
-                <a:ea typeface="Times New Roman" panose="02020603050405020304" pitchFamily="18" charset="0"/>
-              </a:rPr>
-              <a:t>string</a:t>
-            </a:r>
-            <a:r>
-              <a:rPr lang="en-US" sz="1600" dirty="0">
-                <a:solidFill>
-                  <a:srgbClr val="000000"/>
-                </a:solidFill>
-                <a:latin typeface="Courier New" panose="02070309020205020404" pitchFamily="49" charset="0"/>
-                <a:ea typeface="Times New Roman" panose="02020603050405020304" pitchFamily="18" charset="0"/>
-              </a:rPr>
-              <a:t>;</a:t>
-            </a:r>
-            <a:br>
-              <a:rPr lang="en-US" sz="1600" dirty="0">
-                <a:solidFill>
-                  <a:srgbClr val="000000"/>
-                </a:solidFill>
-                <a:latin typeface="Courier New" panose="02070309020205020404" pitchFamily="49" charset="0"/>
-                <a:ea typeface="Times New Roman" panose="02020603050405020304" pitchFamily="18" charset="0"/>
-              </a:rPr>
-            </a:br>
-            <a:r>
-              <a:rPr lang="en-US" sz="1600" dirty="0">
-                <a:solidFill>
-                  <a:srgbClr val="000000"/>
-                </a:solidFill>
-                <a:latin typeface="Courier New" panose="02070309020205020404" pitchFamily="49" charset="0"/>
-                <a:ea typeface="Times New Roman" panose="02020603050405020304" pitchFamily="18" charset="0"/>
-              </a:rPr>
-              <a:t>    </a:t>
-            </a:r>
-            <a:r>
-              <a:rPr lang="en-US" sz="1600" b="1" dirty="0" err="1">
-                <a:solidFill>
-                  <a:srgbClr val="660E7A"/>
-                </a:solidFill>
-                <a:latin typeface="Courier New" panose="02070309020205020404" pitchFamily="49" charset="0"/>
-                <a:ea typeface="Times New Roman" panose="02020603050405020304" pitchFamily="18" charset="0"/>
-              </a:rPr>
-              <a:t>canActivate</a:t>
-            </a:r>
-            <a:r>
-              <a:rPr lang="en-US" sz="1600" dirty="0">
-                <a:solidFill>
-                  <a:srgbClr val="000000"/>
-                </a:solidFill>
-                <a:latin typeface="Courier New" panose="02070309020205020404" pitchFamily="49" charset="0"/>
-                <a:ea typeface="Times New Roman" panose="02020603050405020304" pitchFamily="18" charset="0"/>
-              </a:rPr>
-              <a:t>?: </a:t>
-            </a:r>
-            <a:r>
-              <a:rPr lang="en-US" sz="1600" b="1" dirty="0">
-                <a:solidFill>
-                  <a:srgbClr val="000080"/>
-                </a:solidFill>
-                <a:latin typeface="Courier New" panose="02070309020205020404" pitchFamily="49" charset="0"/>
-                <a:ea typeface="Times New Roman" panose="02020603050405020304" pitchFamily="18" charset="0"/>
-              </a:rPr>
-              <a:t>any</a:t>
-            </a:r>
-            <a:r>
-              <a:rPr lang="en-US" sz="1600" dirty="0">
-                <a:solidFill>
-                  <a:srgbClr val="000000"/>
-                </a:solidFill>
-                <a:latin typeface="Courier New" panose="02070309020205020404" pitchFamily="49" charset="0"/>
-                <a:ea typeface="Times New Roman" panose="02020603050405020304" pitchFamily="18" charset="0"/>
-              </a:rPr>
-              <a:t>[];</a:t>
-            </a:r>
-            <a:br>
-              <a:rPr lang="en-US" sz="1600" dirty="0">
-                <a:solidFill>
-                  <a:srgbClr val="000000"/>
-                </a:solidFill>
-                <a:latin typeface="Courier New" panose="02070309020205020404" pitchFamily="49" charset="0"/>
-                <a:ea typeface="Times New Roman" panose="02020603050405020304" pitchFamily="18" charset="0"/>
-              </a:rPr>
-            </a:br>
-            <a:r>
-              <a:rPr lang="en-US" sz="1600" dirty="0">
-                <a:solidFill>
-                  <a:srgbClr val="000000"/>
-                </a:solidFill>
-                <a:latin typeface="Courier New" panose="02070309020205020404" pitchFamily="49" charset="0"/>
-                <a:ea typeface="Times New Roman" panose="02020603050405020304" pitchFamily="18" charset="0"/>
-              </a:rPr>
-              <a:t>    </a:t>
-            </a:r>
-            <a:r>
-              <a:rPr lang="en-US" sz="1600" b="1" dirty="0" err="1">
-                <a:solidFill>
-                  <a:srgbClr val="660E7A"/>
-                </a:solidFill>
-                <a:latin typeface="Courier New" panose="02070309020205020404" pitchFamily="49" charset="0"/>
-                <a:ea typeface="Times New Roman" panose="02020603050405020304" pitchFamily="18" charset="0"/>
-              </a:rPr>
-              <a:t>canActivateChild</a:t>
-            </a:r>
-            <a:r>
-              <a:rPr lang="en-US" sz="1600" dirty="0">
-                <a:solidFill>
-                  <a:srgbClr val="000000"/>
-                </a:solidFill>
-                <a:latin typeface="Courier New" panose="02070309020205020404" pitchFamily="49" charset="0"/>
-                <a:ea typeface="Times New Roman" panose="02020603050405020304" pitchFamily="18" charset="0"/>
-              </a:rPr>
-              <a:t>?: </a:t>
-            </a:r>
-            <a:r>
-              <a:rPr lang="en-US" sz="1600" b="1" dirty="0">
-                <a:solidFill>
-                  <a:srgbClr val="000080"/>
-                </a:solidFill>
-                <a:latin typeface="Courier New" panose="02070309020205020404" pitchFamily="49" charset="0"/>
-                <a:ea typeface="Times New Roman" panose="02020603050405020304" pitchFamily="18" charset="0"/>
-              </a:rPr>
-              <a:t>any</a:t>
-            </a:r>
-            <a:r>
-              <a:rPr lang="en-US" sz="1600" dirty="0">
-                <a:solidFill>
-                  <a:srgbClr val="000000"/>
-                </a:solidFill>
-                <a:latin typeface="Courier New" panose="02070309020205020404" pitchFamily="49" charset="0"/>
-                <a:ea typeface="Times New Roman" panose="02020603050405020304" pitchFamily="18" charset="0"/>
-              </a:rPr>
-              <a:t>[];</a:t>
-            </a:r>
-            <a:br>
-              <a:rPr lang="en-US" sz="1600" dirty="0">
-                <a:solidFill>
-                  <a:srgbClr val="000000"/>
-                </a:solidFill>
-                <a:latin typeface="Courier New" panose="02070309020205020404" pitchFamily="49" charset="0"/>
-                <a:ea typeface="Times New Roman" panose="02020603050405020304" pitchFamily="18" charset="0"/>
-              </a:rPr>
-            </a:br>
-            <a:r>
-              <a:rPr lang="en-US" sz="1600" dirty="0">
-                <a:solidFill>
-                  <a:srgbClr val="000000"/>
-                </a:solidFill>
-                <a:latin typeface="Courier New" panose="02070309020205020404" pitchFamily="49" charset="0"/>
-                <a:ea typeface="Times New Roman" panose="02020603050405020304" pitchFamily="18" charset="0"/>
-              </a:rPr>
-              <a:t>    </a:t>
-            </a:r>
-            <a:r>
-              <a:rPr lang="en-US" sz="1600" b="1" dirty="0" err="1">
-                <a:solidFill>
-                  <a:srgbClr val="660E7A"/>
-                </a:solidFill>
-                <a:latin typeface="Courier New" panose="02070309020205020404" pitchFamily="49" charset="0"/>
-                <a:ea typeface="Times New Roman" panose="02020603050405020304" pitchFamily="18" charset="0"/>
-              </a:rPr>
-              <a:t>canDeactivate</a:t>
-            </a:r>
-            <a:r>
-              <a:rPr lang="en-US" sz="1600" dirty="0">
-                <a:solidFill>
-                  <a:srgbClr val="000000"/>
-                </a:solidFill>
-                <a:latin typeface="Courier New" panose="02070309020205020404" pitchFamily="49" charset="0"/>
-                <a:ea typeface="Times New Roman" panose="02020603050405020304" pitchFamily="18" charset="0"/>
-              </a:rPr>
-              <a:t>?: </a:t>
-            </a:r>
-            <a:r>
-              <a:rPr lang="en-US" sz="1600" b="1" dirty="0">
-                <a:solidFill>
-                  <a:srgbClr val="000080"/>
-                </a:solidFill>
-                <a:latin typeface="Courier New" panose="02070309020205020404" pitchFamily="49" charset="0"/>
-                <a:ea typeface="Times New Roman" panose="02020603050405020304" pitchFamily="18" charset="0"/>
-              </a:rPr>
-              <a:t>any</a:t>
-            </a:r>
-            <a:r>
-              <a:rPr lang="en-US" sz="1600" dirty="0">
-                <a:solidFill>
-                  <a:srgbClr val="000000"/>
-                </a:solidFill>
-                <a:latin typeface="Courier New" panose="02070309020205020404" pitchFamily="49" charset="0"/>
-                <a:ea typeface="Times New Roman" panose="02020603050405020304" pitchFamily="18" charset="0"/>
-              </a:rPr>
-              <a:t>[];</a:t>
-            </a:r>
-            <a:br>
-              <a:rPr lang="en-US" sz="1600" dirty="0">
-                <a:solidFill>
-                  <a:srgbClr val="000000"/>
-                </a:solidFill>
-                <a:latin typeface="Courier New" panose="02070309020205020404" pitchFamily="49" charset="0"/>
-                <a:ea typeface="Times New Roman" panose="02020603050405020304" pitchFamily="18" charset="0"/>
-              </a:rPr>
-            </a:br>
-            <a:r>
-              <a:rPr lang="en-US" sz="1600" dirty="0">
-                <a:solidFill>
-                  <a:srgbClr val="000000"/>
-                </a:solidFill>
-                <a:latin typeface="Courier New" panose="02070309020205020404" pitchFamily="49" charset="0"/>
-                <a:ea typeface="Times New Roman" panose="02020603050405020304" pitchFamily="18" charset="0"/>
-              </a:rPr>
-              <a:t>    </a:t>
-            </a:r>
-            <a:r>
-              <a:rPr lang="en-US" sz="1600" b="1" dirty="0" err="1">
-                <a:solidFill>
-                  <a:srgbClr val="660E7A"/>
-                </a:solidFill>
-                <a:latin typeface="Courier New" panose="02070309020205020404" pitchFamily="49" charset="0"/>
-                <a:ea typeface="Times New Roman" panose="02020603050405020304" pitchFamily="18" charset="0"/>
-              </a:rPr>
-              <a:t>canLoad</a:t>
-            </a:r>
-            <a:r>
-              <a:rPr lang="en-US" sz="1600" dirty="0">
-                <a:solidFill>
-                  <a:srgbClr val="000000"/>
-                </a:solidFill>
-                <a:latin typeface="Courier New" panose="02070309020205020404" pitchFamily="49" charset="0"/>
-                <a:ea typeface="Times New Roman" panose="02020603050405020304" pitchFamily="18" charset="0"/>
-              </a:rPr>
-              <a:t>?: </a:t>
-            </a:r>
-            <a:r>
-              <a:rPr lang="en-US" sz="1600" b="1" dirty="0">
-                <a:solidFill>
-                  <a:srgbClr val="000080"/>
-                </a:solidFill>
-                <a:latin typeface="Courier New" panose="02070309020205020404" pitchFamily="49" charset="0"/>
-                <a:ea typeface="Times New Roman" panose="02020603050405020304" pitchFamily="18" charset="0"/>
-              </a:rPr>
-              <a:t>any</a:t>
-            </a:r>
-            <a:r>
-              <a:rPr lang="en-US" sz="1600" dirty="0">
-                <a:solidFill>
-                  <a:srgbClr val="000000"/>
-                </a:solidFill>
-                <a:latin typeface="Courier New" panose="02070309020205020404" pitchFamily="49" charset="0"/>
-                <a:ea typeface="Times New Roman" panose="02020603050405020304" pitchFamily="18" charset="0"/>
-              </a:rPr>
-              <a:t>[];</a:t>
-            </a:r>
-            <a:br>
-              <a:rPr lang="en-US" sz="1600" dirty="0">
-                <a:solidFill>
-                  <a:srgbClr val="000000"/>
-                </a:solidFill>
-                <a:latin typeface="Courier New" panose="02070309020205020404" pitchFamily="49" charset="0"/>
-                <a:ea typeface="Times New Roman" panose="02020603050405020304" pitchFamily="18" charset="0"/>
-              </a:rPr>
-            </a:br>
-            <a:r>
-              <a:rPr lang="en-US" sz="1600" dirty="0">
-                <a:solidFill>
-                  <a:srgbClr val="000000"/>
-                </a:solidFill>
-                <a:latin typeface="Courier New" panose="02070309020205020404" pitchFamily="49" charset="0"/>
-                <a:ea typeface="Times New Roman" panose="02020603050405020304" pitchFamily="18" charset="0"/>
-              </a:rPr>
-              <a:t>    </a:t>
-            </a:r>
-            <a:r>
-              <a:rPr lang="en-US" sz="1600" b="1" dirty="0">
-                <a:solidFill>
-                  <a:srgbClr val="660E7A"/>
-                </a:solidFill>
-                <a:latin typeface="Courier New" panose="02070309020205020404" pitchFamily="49" charset="0"/>
-                <a:ea typeface="Times New Roman" panose="02020603050405020304" pitchFamily="18" charset="0"/>
-              </a:rPr>
-              <a:t>data</a:t>
-            </a:r>
-            <a:r>
-              <a:rPr lang="en-US" sz="1600" dirty="0">
-                <a:solidFill>
-                  <a:srgbClr val="000000"/>
-                </a:solidFill>
-                <a:latin typeface="Courier New" panose="02070309020205020404" pitchFamily="49" charset="0"/>
-                <a:ea typeface="Times New Roman" panose="02020603050405020304" pitchFamily="18" charset="0"/>
-              </a:rPr>
-              <a:t>?: Data;</a:t>
-            </a:r>
-            <a:br>
-              <a:rPr lang="en-US" sz="1600" dirty="0">
-                <a:solidFill>
-                  <a:srgbClr val="000000"/>
-                </a:solidFill>
-                <a:latin typeface="Courier New" panose="02070309020205020404" pitchFamily="49" charset="0"/>
-                <a:ea typeface="Times New Roman" panose="02020603050405020304" pitchFamily="18" charset="0"/>
-              </a:rPr>
-            </a:br>
-            <a:r>
-              <a:rPr lang="en-US" sz="1600" dirty="0">
-                <a:solidFill>
-                  <a:srgbClr val="000000"/>
-                </a:solidFill>
-                <a:latin typeface="Courier New" panose="02070309020205020404" pitchFamily="49" charset="0"/>
-                <a:ea typeface="Times New Roman" panose="02020603050405020304" pitchFamily="18" charset="0"/>
-              </a:rPr>
-              <a:t>    </a:t>
-            </a:r>
-            <a:r>
-              <a:rPr lang="en-US" sz="1600" b="1" dirty="0">
-                <a:solidFill>
-                  <a:srgbClr val="660E7A"/>
-                </a:solidFill>
-                <a:latin typeface="Courier New" panose="02070309020205020404" pitchFamily="49" charset="0"/>
-                <a:ea typeface="Times New Roman" panose="02020603050405020304" pitchFamily="18" charset="0"/>
-              </a:rPr>
-              <a:t>resolve</a:t>
-            </a:r>
-            <a:r>
-              <a:rPr lang="en-US" sz="1600" dirty="0">
-                <a:solidFill>
-                  <a:srgbClr val="000000"/>
-                </a:solidFill>
-                <a:latin typeface="Courier New" panose="02070309020205020404" pitchFamily="49" charset="0"/>
-                <a:ea typeface="Times New Roman" panose="02020603050405020304" pitchFamily="18" charset="0"/>
-              </a:rPr>
-              <a:t>?: </a:t>
-            </a:r>
-            <a:r>
-              <a:rPr lang="en-US" sz="1600" dirty="0" err="1">
-                <a:solidFill>
-                  <a:srgbClr val="000000"/>
-                </a:solidFill>
-                <a:latin typeface="Courier New" panose="02070309020205020404" pitchFamily="49" charset="0"/>
-                <a:ea typeface="Times New Roman" panose="02020603050405020304" pitchFamily="18" charset="0"/>
-              </a:rPr>
-              <a:t>ResolveData</a:t>
-            </a:r>
-            <a:r>
-              <a:rPr lang="en-US" sz="1600" dirty="0">
-                <a:solidFill>
-                  <a:srgbClr val="000000"/>
-                </a:solidFill>
-                <a:latin typeface="Courier New" panose="02070309020205020404" pitchFamily="49" charset="0"/>
-                <a:ea typeface="Times New Roman" panose="02020603050405020304" pitchFamily="18" charset="0"/>
-              </a:rPr>
-              <a:t>;</a:t>
-            </a:r>
-            <a:br>
-              <a:rPr lang="en-US" sz="1600" dirty="0">
-                <a:solidFill>
-                  <a:srgbClr val="000000"/>
-                </a:solidFill>
-                <a:latin typeface="Courier New" panose="02070309020205020404" pitchFamily="49" charset="0"/>
-                <a:ea typeface="Times New Roman" panose="02020603050405020304" pitchFamily="18" charset="0"/>
-              </a:rPr>
-            </a:br>
-            <a:r>
-              <a:rPr lang="en-US" sz="1600" dirty="0">
-                <a:solidFill>
-                  <a:srgbClr val="000000"/>
-                </a:solidFill>
-                <a:latin typeface="Courier New" panose="02070309020205020404" pitchFamily="49" charset="0"/>
-                <a:ea typeface="Times New Roman" panose="02020603050405020304" pitchFamily="18" charset="0"/>
-              </a:rPr>
-              <a:t>    </a:t>
-            </a:r>
-            <a:r>
-              <a:rPr lang="en-US" sz="1600" b="1" dirty="0">
-                <a:solidFill>
-                  <a:srgbClr val="660E7A"/>
-                </a:solidFill>
-                <a:latin typeface="Courier New" panose="02070309020205020404" pitchFamily="49" charset="0"/>
-                <a:ea typeface="Times New Roman" panose="02020603050405020304" pitchFamily="18" charset="0"/>
-              </a:rPr>
-              <a:t>children</a:t>
-            </a:r>
-            <a:r>
-              <a:rPr lang="en-US" sz="1600" dirty="0">
-                <a:solidFill>
-                  <a:srgbClr val="000000"/>
-                </a:solidFill>
-                <a:latin typeface="Courier New" panose="02070309020205020404" pitchFamily="49" charset="0"/>
-                <a:ea typeface="Times New Roman" panose="02020603050405020304" pitchFamily="18" charset="0"/>
-              </a:rPr>
-              <a:t>?: Routes;</a:t>
-            </a:r>
-            <a:br>
-              <a:rPr lang="en-US" sz="1600" dirty="0">
-                <a:solidFill>
-                  <a:srgbClr val="000000"/>
-                </a:solidFill>
-                <a:latin typeface="Courier New" panose="02070309020205020404" pitchFamily="49" charset="0"/>
-                <a:ea typeface="Times New Roman" panose="02020603050405020304" pitchFamily="18" charset="0"/>
-              </a:rPr>
-            </a:br>
-            <a:r>
-              <a:rPr lang="en-US" sz="1600" dirty="0">
-                <a:solidFill>
-                  <a:srgbClr val="000000"/>
-                </a:solidFill>
-                <a:latin typeface="Courier New" panose="02070309020205020404" pitchFamily="49" charset="0"/>
-                <a:ea typeface="Times New Roman" panose="02020603050405020304" pitchFamily="18" charset="0"/>
-              </a:rPr>
-              <a:t>    </a:t>
-            </a:r>
-            <a:r>
-              <a:rPr lang="en-US" sz="1600" b="1" dirty="0" err="1">
-                <a:solidFill>
-                  <a:srgbClr val="660E7A"/>
-                </a:solidFill>
-                <a:latin typeface="Courier New" panose="02070309020205020404" pitchFamily="49" charset="0"/>
-                <a:ea typeface="Times New Roman" panose="02020603050405020304" pitchFamily="18" charset="0"/>
-              </a:rPr>
-              <a:t>loadChildren</a:t>
-            </a:r>
-            <a:r>
-              <a:rPr lang="en-US" sz="1600" dirty="0">
-                <a:solidFill>
-                  <a:srgbClr val="000000"/>
-                </a:solidFill>
-                <a:latin typeface="Courier New" panose="02070309020205020404" pitchFamily="49" charset="0"/>
-                <a:ea typeface="Times New Roman" panose="02020603050405020304" pitchFamily="18" charset="0"/>
-              </a:rPr>
-              <a:t>?: </a:t>
-            </a:r>
-            <a:r>
-              <a:rPr lang="en-US" sz="1600" dirty="0" err="1">
-                <a:solidFill>
-                  <a:srgbClr val="000000"/>
-                </a:solidFill>
-                <a:latin typeface="Courier New" panose="02070309020205020404" pitchFamily="49" charset="0"/>
-                <a:ea typeface="Times New Roman" panose="02020603050405020304" pitchFamily="18" charset="0"/>
-              </a:rPr>
-              <a:t>LoadChildren</a:t>
-            </a:r>
-            <a:r>
-              <a:rPr lang="en-US" sz="1600" dirty="0">
-                <a:solidFill>
-                  <a:srgbClr val="000000"/>
-                </a:solidFill>
-                <a:latin typeface="Courier New" panose="02070309020205020404" pitchFamily="49" charset="0"/>
-                <a:ea typeface="Times New Roman" panose="02020603050405020304" pitchFamily="18" charset="0"/>
-              </a:rPr>
-              <a:t>;</a:t>
-            </a:r>
-            <a:br>
-              <a:rPr lang="en-US" sz="1600" dirty="0">
-                <a:solidFill>
-                  <a:srgbClr val="000000"/>
-                </a:solidFill>
-                <a:latin typeface="Courier New" panose="02070309020205020404" pitchFamily="49" charset="0"/>
-                <a:ea typeface="Times New Roman" panose="02020603050405020304" pitchFamily="18" charset="0"/>
-              </a:rPr>
-            </a:br>
-            <a:r>
-              <a:rPr lang="en-US" sz="1600" dirty="0">
-                <a:solidFill>
-                  <a:srgbClr val="000000"/>
-                </a:solidFill>
-                <a:latin typeface="Courier New" panose="02070309020205020404" pitchFamily="49" charset="0"/>
-                <a:ea typeface="Times New Roman" panose="02020603050405020304" pitchFamily="18" charset="0"/>
-              </a:rPr>
-              <a:t>    </a:t>
-            </a:r>
-            <a:r>
-              <a:rPr lang="en-US" sz="1600" b="1" dirty="0" err="1">
-                <a:solidFill>
-                  <a:srgbClr val="660E7A"/>
-                </a:solidFill>
-                <a:latin typeface="Courier New" panose="02070309020205020404" pitchFamily="49" charset="0"/>
-                <a:ea typeface="Times New Roman" panose="02020603050405020304" pitchFamily="18" charset="0"/>
-              </a:rPr>
-              <a:t>runGuardsAndResolvers</a:t>
-            </a:r>
-            <a:r>
-              <a:rPr lang="en-US" sz="1600" dirty="0">
-                <a:solidFill>
-                  <a:srgbClr val="000000"/>
-                </a:solidFill>
-                <a:latin typeface="Courier New" panose="02070309020205020404" pitchFamily="49" charset="0"/>
-                <a:ea typeface="Times New Roman" panose="02020603050405020304" pitchFamily="18" charset="0"/>
-              </a:rPr>
-              <a:t>?: </a:t>
-            </a:r>
-            <a:r>
-              <a:rPr lang="en-US" sz="1600" dirty="0" err="1">
-                <a:solidFill>
-                  <a:srgbClr val="000000"/>
-                </a:solidFill>
-                <a:latin typeface="Courier New" panose="02070309020205020404" pitchFamily="49" charset="0"/>
-                <a:ea typeface="Times New Roman" panose="02020603050405020304" pitchFamily="18" charset="0"/>
-              </a:rPr>
-              <a:t>RunGuardsAndResolvers</a:t>
-            </a:r>
-            <a:r>
-              <a:rPr lang="en-US" sz="1600" dirty="0">
-                <a:solidFill>
-                  <a:srgbClr val="000000"/>
-                </a:solidFill>
-                <a:latin typeface="Courier New" panose="02070309020205020404" pitchFamily="49" charset="0"/>
-                <a:ea typeface="Times New Roman" panose="02020603050405020304" pitchFamily="18" charset="0"/>
-              </a:rPr>
-              <a:t>;</a:t>
-            </a:r>
-            <a:br>
-              <a:rPr lang="en-US" sz="1600" dirty="0">
-                <a:solidFill>
-                  <a:srgbClr val="000000"/>
-                </a:solidFill>
-                <a:latin typeface="Courier New" panose="02070309020205020404" pitchFamily="49" charset="0"/>
-                <a:ea typeface="Times New Roman" panose="02020603050405020304" pitchFamily="18" charset="0"/>
-              </a:rPr>
-            </a:br>
-            <a:r>
-              <a:rPr lang="en-US" sz="1600" dirty="0">
-                <a:solidFill>
-                  <a:srgbClr val="000000"/>
-                </a:solidFill>
-                <a:latin typeface="Courier New" panose="02070309020205020404" pitchFamily="49" charset="0"/>
-                <a:ea typeface="Times New Roman" panose="02020603050405020304" pitchFamily="18" charset="0"/>
-              </a:rPr>
-              <a:t>}</a:t>
-            </a:r>
-            <a:endParaRPr lang="he-IL" sz="1600" dirty="0"/>
-          </a:p>
-        </p:txBody>
-      </p:sp>
-      <p:sp>
-        <p:nvSpPr>
-          <p:cNvPr id="7" name="Line Callout 2 6"/>
-          <p:cNvSpPr/>
-          <p:nvPr/>
-        </p:nvSpPr>
-        <p:spPr>
-          <a:xfrm>
-            <a:off x="6991120" y="2564904"/>
-            <a:ext cx="1253288" cy="936104"/>
-          </a:xfrm>
-          <a:prstGeom prst="borderCallout2">
-            <a:avLst>
-              <a:gd name="adj1" fmla="val 18750"/>
-              <a:gd name="adj2" fmla="val -8333"/>
-              <a:gd name="adj3" fmla="val 18750"/>
-              <a:gd name="adj4" fmla="val -16667"/>
-              <a:gd name="adj5" fmla="val 235788"/>
-              <a:gd name="adj6" fmla="val -274349"/>
-            </a:avLst>
-          </a:prstGeom>
-        </p:spPr>
-        <p:style>
-          <a:lnRef idx="2">
-            <a:schemeClr val="accent1">
-              <a:shade val="50000"/>
-            </a:schemeClr>
-          </a:lnRef>
-          <a:fillRef idx="1">
-            <a:schemeClr val="accent1"/>
-          </a:fillRef>
-          <a:effectRef idx="0">
-            <a:schemeClr val="accent1"/>
-          </a:effectRef>
-          <a:fontRef idx="minor">
-            <a:schemeClr val="lt1"/>
-          </a:fontRef>
-        </p:style>
-        <p:txBody>
-          <a:bodyPr rtlCol="0" anchor="ctr"/>
-          <a:lstStyle/>
-          <a:p>
-            <a:pPr algn="ctr"/>
-            <a:r>
-              <a:rPr lang="en-US" sz="1400" dirty="0" err="1"/>
-              <a:t>Readonly</a:t>
-            </a:r>
-            <a:r>
-              <a:rPr lang="en-US" sz="1400" dirty="0"/>
-              <a:t> data usually is a some kind of configuration</a:t>
-            </a:r>
-          </a:p>
-        </p:txBody>
-      </p:sp>
-      <p:sp>
-        <p:nvSpPr>
-          <p:cNvPr id="8" name="Line Callout 2 6"/>
-          <p:cNvSpPr/>
-          <p:nvPr/>
-        </p:nvSpPr>
-        <p:spPr>
-          <a:xfrm>
-            <a:off x="7164288" y="4411856"/>
-            <a:ext cx="1253288" cy="936104"/>
-          </a:xfrm>
-          <a:prstGeom prst="borderCallout2">
-            <a:avLst>
-              <a:gd name="adj1" fmla="val 18750"/>
-              <a:gd name="adj2" fmla="val -8333"/>
-              <a:gd name="adj3" fmla="val 18750"/>
-              <a:gd name="adj4" fmla="val -16667"/>
-              <a:gd name="adj5" fmla="val 64536"/>
-              <a:gd name="adj6" fmla="val -196309"/>
-            </a:avLst>
-          </a:prstGeom>
-        </p:spPr>
-        <p:style>
-          <a:lnRef idx="2">
-            <a:schemeClr val="accent1">
-              <a:shade val="50000"/>
-            </a:schemeClr>
-          </a:lnRef>
-          <a:fillRef idx="1">
-            <a:schemeClr val="accent1"/>
-          </a:fillRef>
-          <a:effectRef idx="0">
-            <a:schemeClr val="accent1"/>
-          </a:effectRef>
-          <a:fontRef idx="minor">
-            <a:schemeClr val="lt1"/>
-          </a:fontRef>
-        </p:style>
-        <p:txBody>
-          <a:bodyPr rtlCol="0" anchor="ctr"/>
-          <a:lstStyle/>
-          <a:p>
-            <a:pPr algn="ctr"/>
-            <a:r>
-              <a:rPr lang="en-US" sz="1400" dirty="0"/>
-              <a:t>Dynamic data that resolved during route activation</a:t>
-            </a:r>
-          </a:p>
-        </p:txBody>
-      </p:sp>
-    </p:spTree>
-    <p:extLst>
-      <p:ext uri="{BB962C8B-B14F-4D97-AF65-F5344CB8AC3E}">
-        <p14:creationId xmlns:p14="http://schemas.microsoft.com/office/powerpoint/2010/main" val="3980266517"/>
-      </p:ext>
-    </p:extLst>
-  </p:cSld>
-  <p:clrMapOvr>
-    <a:masterClrMapping/>
-  </p:clrMapOvr>
-</p:sld>
-</file>
-
-<file path=ppt/slides/slide36.xml><?xml version="1.0" encoding="utf-8"?>
-<p:sld xmlns:a="http://schemas.openxmlformats.org/drawingml/2006/main" xmlns:r="http://schemas.openxmlformats.org/officeDocument/2006/relationships" xmlns:p="http://schemas.openxmlformats.org/presentationml/2006/main">
-  <p:cSld>
-    <p:spTree>
-      <p:nvGrpSpPr>
-        <p:cNvPr id="1" name=""/>
-        <p:cNvGrpSpPr/>
-        <p:nvPr/>
-      </p:nvGrpSpPr>
-      <p:grpSpPr>
-        <a:xfrm>
-          <a:off x="0" y="0"/>
-          <a:ext cx="0" cy="0"/>
-          <a:chOff x="0" y="0"/>
-          <a:chExt cx="0" cy="0"/>
-        </a:xfrm>
-      </p:grpSpPr>
-      <p:sp>
-        <p:nvSpPr>
-          <p:cNvPr id="2" name="Title 1"/>
-          <p:cNvSpPr>
-            <a:spLocks noGrp="1"/>
-          </p:cNvSpPr>
-          <p:nvPr>
-            <p:ph type="title"/>
-          </p:nvPr>
-        </p:nvSpPr>
-        <p:spPr/>
-        <p:txBody>
-          <a:bodyPr/>
-          <a:lstStyle/>
-          <a:p>
+              <a:t>Integrating with Redux is challenging</a:t>
+            </a:r>
+          </a:p>
+          <a:p>
+            <a:pPr lvl="1"/>
             <a:r>
               <a:rPr lang="en-US" dirty="0"/>
-              <a:t>Summary</a:t>
-            </a:r>
-            <a:endParaRPr lang="he-IL" dirty="0"/>
-          </a:p>
-        </p:txBody>
-      </p:sp>
-      <p:sp>
-        <p:nvSpPr>
-          <p:cNvPr id="3" name="Footer Placeholder 2"/>
-          <p:cNvSpPr>
-            <a:spLocks noGrp="1"/>
-          </p:cNvSpPr>
-          <p:nvPr>
-            <p:ph type="ftr" sz="quarter" idx="11"/>
-          </p:nvPr>
-        </p:nvSpPr>
-        <p:spPr/>
-        <p:txBody>
-          <a:bodyPr/>
-          <a:lstStyle/>
-          <a:p>
-            <a:r>
-              <a:rPr lang="en-US"/>
-              <a:t>© 2016 Ori Calvo</a:t>
-            </a:r>
-            <a:endParaRPr lang="en-US" dirty="0"/>
-          </a:p>
-        </p:txBody>
-      </p:sp>
-      <p:sp>
-        <p:nvSpPr>
-          <p:cNvPr id="4" name="Slide Number Placeholder 3"/>
-          <p:cNvSpPr>
-            <a:spLocks noGrp="1"/>
-          </p:cNvSpPr>
-          <p:nvPr>
-            <p:ph type="sldNum" sz="quarter" idx="12"/>
-          </p:nvPr>
-        </p:nvSpPr>
-        <p:spPr/>
-        <p:txBody>
-          <a:bodyPr>
-            <a:normAutofit fontScale="85000" lnSpcReduction="20000"/>
-          </a:bodyPr>
-          <a:lstStyle/>
-          <a:p>
-            <a:fld id="{6EDEC3BC-0694-4586-AE63-02B4D54ABF43}" type="slidenum">
-              <a:rPr lang="en-US" smtClean="0"/>
-              <a:pPr/>
-              <a:t>36</a:t>
-            </a:fld>
-            <a:endParaRPr lang="en-US"/>
-          </a:p>
-        </p:txBody>
-      </p:sp>
-      <p:sp>
-        <p:nvSpPr>
-          <p:cNvPr id="5" name="Content Placeholder 4"/>
-          <p:cNvSpPr>
-            <a:spLocks noGrp="1"/>
-          </p:cNvSpPr>
-          <p:nvPr>
-            <p:ph sz="quarter" idx="1"/>
-          </p:nvPr>
-        </p:nvSpPr>
-        <p:spPr/>
-        <p:txBody>
-          <a:bodyPr/>
-          <a:lstStyle/>
+              <a:t>Who’s the boss?</a:t>
+            </a:r>
+          </a:p>
+          <a:p>
+            <a:r>
+              <a:rPr lang="en-US" dirty="0"/>
+              <a:t>Keep state outside of component so you can restore it easily when navigating back</a:t>
+            </a:r>
+          </a:p>
           <a:p>
             <a:endParaRPr lang="he-IL" dirty="0"/>
           </a:p>
@@ -29089,7 +27495,19 @@
           <a:p>
             <a:r>
               <a:rPr lang="en-US" dirty="0"/>
-              <a:t>Install @angular/router and import it</a:t>
+              <a:t>Install </a:t>
+            </a:r>
+            <a:r>
+              <a:rPr lang="en-US" dirty="0">
+                <a:solidFill>
+                  <a:srgbClr val="FF0000"/>
+                </a:solidFill>
+              </a:rPr>
+              <a:t>@angular/router </a:t>
+            </a:r>
+            <a:r>
+              <a:rPr lang="en-US" dirty="0"/>
+              <a:t>and import it</a:t>
             </a:r>
           </a:p>
           <a:p>
@@ -30965,10 +29383,11 @@
           <a:p>
             <a:r>
               <a:rPr lang="en-US" dirty="0"/>
-              <a:t>First matching route win !!!</a:t>
-            </a:r>
-          </a:p>
-          <a:p>
+              <a:t>First matching route wins !!!</a:t>
+            </a:r>
+          </a:p>
+          <a:p>
+            <a:pPr lvl="1"/>
             <a:r>
               <a:rPr lang="en-US" dirty="0"/>
               <a:t>Specificity does not matter </a:t>
